--- a/reports/presentation_pptx_version/PPTX_WiSo_Template.pptx
+++ b/reports/presentation_pptx_version/PPTX_WiSo_Template.pptx
@@ -3602,7 +3602,7 @@
           <p:nvPr>
             <p:extLst>
               <p:ext uri="{D42A27DB-BD31-4B8C-83A1-F6EECF244321}">
-                <p14:modId xmlns:p14="http://schemas.microsoft.com/office/powerpoint/2010/main" val="1580009670"/>
+                <p14:modId xmlns:p14="http://schemas.microsoft.com/office/powerpoint/2010/main" val="732407517"/>
               </p:ext>
             </p:extLst>
           </p:nvPr>
@@ -13067,7 +13067,7 @@
         </p:nvSpPr>
         <p:spPr>
           <a:xfrm>
-            <a:off x="215456" y="760773"/>
+            <a:off x="215456" y="682953"/>
             <a:ext cx="547600" cy="144000"/>
           </a:xfrm>
           <a:prstGeom prst="rect">
@@ -13128,7 +13128,7 @@
         </p:nvSpPr>
         <p:spPr>
           <a:xfrm>
-            <a:off x="952054" y="760773"/>
+            <a:off x="952054" y="682953"/>
             <a:ext cx="2850535" cy="144000"/>
           </a:xfrm>
           <a:prstGeom prst="rect">
@@ -13189,7 +13189,7 @@
         </p:nvSpPr>
         <p:spPr>
           <a:xfrm>
-            <a:off x="952059" y="2336446"/>
+            <a:off x="952059" y="2427238"/>
             <a:ext cx="5004000" cy="216000"/>
           </a:xfrm>
           <a:prstGeom prst="rect">
@@ -13233,23 +13233,6 @@
               </a:rPr>
               <a:t>Theoretically affecting crisis periods - major global shocks and us recessions</a:t>
             </a:r>
-            <a:r>
-              <a:rPr lang="de-DE" sz="1100" baseline="30000" dirty="0">
-                <a:solidFill>
-                  <a:schemeClr val="tx1"/>
-                </a:solidFill>
-                <a:latin typeface="Arial" panose="020B0604020202020204" pitchFamily="34" charset="0"/>
-                <a:cs typeface="Arial" panose="020B0604020202020204" pitchFamily="34" charset="0"/>
-              </a:rPr>
-              <a:t>1</a:t>
-            </a:r>
-            <a:endParaRPr lang="de-DE" sz="1100" dirty="0">
-              <a:solidFill>
-                <a:schemeClr val="tx1"/>
-              </a:solidFill>
-              <a:latin typeface="Arial" panose="020B0604020202020204" pitchFamily="34" charset="0"/>
-              <a:cs typeface="Arial" panose="020B0604020202020204" pitchFamily="34" charset="0"/>
-            </a:endParaRPr>
           </a:p>
         </p:txBody>
       </p:sp>
@@ -13267,7 +13250,7 @@
         </p:nvSpPr>
         <p:spPr>
           <a:xfrm>
-            <a:off x="952059" y="989185"/>
+            <a:off x="952059" y="911365"/>
             <a:ext cx="3816000" cy="216000"/>
           </a:xfrm>
           <a:prstGeom prst="rect">
@@ -13329,14 +13312,14 @@
           <p:nvPr>
             <p:extLst>
               <p:ext uri="{D42A27DB-BD31-4B8C-83A1-F6EECF244321}">
-                <p14:modId xmlns:p14="http://schemas.microsoft.com/office/powerpoint/2010/main" val="611474461"/>
+                <p14:modId xmlns:p14="http://schemas.microsoft.com/office/powerpoint/2010/main" val="123400092"/>
               </p:ext>
             </p:extLst>
           </p:nvPr>
         </p:nvGraphicFramePr>
         <p:xfrm>
-          <a:off x="952055" y="1245211"/>
-          <a:ext cx="9791910" cy="966797"/>
+          <a:off x="952055" y="1167391"/>
+          <a:ext cx="9791910" cy="950400"/>
         </p:xfrm>
         <a:graphic>
           <a:graphicData uri="http://schemas.openxmlformats.org/drawingml/2006/table">
@@ -13381,7 +13364,7 @@
                   </a:extLst>
                 </a:gridCol>
               </a:tblGrid>
-              <a:tr h="263672">
+              <a:tr h="259200">
                 <a:tc>
                   <a:txBody>
                     <a:bodyPr/>
@@ -13673,7 +13656,7 @@
                   </a:ext>
                 </a:extLst>
               </a:tr>
-              <a:tr h="234375">
+              <a:tr h="230400">
                 <a:tc>
                   <a:txBody>
                     <a:bodyPr/>
@@ -13971,7 +13954,7 @@
                   </a:ext>
                 </a:extLst>
               </a:tr>
-              <a:tr h="234375">
+              <a:tr h="230400">
                 <a:tc>
                   <a:txBody>
                     <a:bodyPr/>
@@ -14267,7 +14250,7 @@
                   </a:ext>
                 </a:extLst>
               </a:tr>
-              <a:tr h="234375">
+              <a:tr h="230400">
                 <a:tc>
                   <a:txBody>
                     <a:bodyPr/>
@@ -14579,14 +14562,14 @@
           <p:nvPr>
             <p:extLst>
               <p:ext uri="{D42A27DB-BD31-4B8C-83A1-F6EECF244321}">
-                <p14:modId xmlns:p14="http://schemas.microsoft.com/office/powerpoint/2010/main" val="2799774743"/>
+                <p14:modId xmlns:p14="http://schemas.microsoft.com/office/powerpoint/2010/main" val="2785483884"/>
               </p:ext>
             </p:extLst>
           </p:nvPr>
         </p:nvGraphicFramePr>
         <p:xfrm>
-          <a:off x="952054" y="2667686"/>
-          <a:ext cx="9404922" cy="4116520"/>
+          <a:off x="952054" y="2687143"/>
+          <a:ext cx="9404922" cy="3571006"/>
         </p:xfrm>
         <a:graphic>
           <a:graphicData uri="http://schemas.openxmlformats.org/drawingml/2006/table">
@@ -15043,7 +15026,7 @@
                   </a:ext>
                 </a:extLst>
               </a:tr>
-              <a:tr h="171318">
+              <a:tr h="147600">
                 <a:tc>
                   <a:txBody>
                     <a:bodyPr/>
@@ -15063,7 +15046,7 @@
                       </a:r>
                     </a:p>
                   </a:txBody>
-                  <a:tcPr marL="8566" marR="8566" marT="8566" marB="0">
+                  <a:tcPr marL="8566" marR="8566" marT="8566" marB="0" anchor="ctr">
                     <a:lnL w="12700" cap="flat" cmpd="sng" algn="ctr">
                       <a:solidFill>
                         <a:schemeClr val="tx1"/>
@@ -15127,7 +15110,7 @@
                       </a:endParaRPr>
                     </a:p>
                   </a:txBody>
-                  <a:tcPr marL="8566" marR="8566" marT="8566" marB="0" anchor="b">
+                  <a:tcPr marL="8566" marR="8566" marT="8566" marB="0" anchor="ctr">
                     <a:lnL w="12700" cap="flat" cmpd="sng" algn="ctr">
                       <a:solidFill>
                         <a:schemeClr val="tx1"/>
@@ -15191,7 +15174,7 @@
                       </a:endParaRPr>
                     </a:p>
                   </a:txBody>
-                  <a:tcPr marL="8566" marR="8566" marT="8566" marB="0" anchor="b">
+                  <a:tcPr marL="8566" marR="8566" marT="8566" marB="0" anchor="ctr">
                     <a:lnL w="12700" cap="flat" cmpd="sng" algn="ctr">
                       <a:solidFill>
                         <a:schemeClr val="tx1"/>
@@ -15255,7 +15238,7 @@
                       </a:endParaRPr>
                     </a:p>
                   </a:txBody>
-                  <a:tcPr marL="8566" marR="8566" marT="8566" marB="0" anchor="b">
+                  <a:tcPr marL="8566" marR="8566" marT="8566" marB="0" anchor="ctr">
                     <a:lnL w="12700" cap="flat" cmpd="sng" algn="ctr">
                       <a:solidFill>
                         <a:schemeClr val="tx1"/>
@@ -15319,7 +15302,7 @@
                       </a:endParaRPr>
                     </a:p>
                   </a:txBody>
-                  <a:tcPr marL="8566" marR="8566" marT="8566" marB="0">
+                  <a:tcPr marL="8566" marR="8566" marT="8566" marB="0" anchor="ctr">
                     <a:lnL w="12700" cap="flat" cmpd="sng" algn="ctr">
                       <a:solidFill>
                         <a:schemeClr val="tx1"/>
@@ -15383,7 +15366,7 @@
                       </a:endParaRPr>
                     </a:p>
                   </a:txBody>
-                  <a:tcPr marL="8566" marR="8566" marT="8566" marB="0" anchor="b">
+                  <a:tcPr marL="8566" marR="8566" marT="8566" marB="0" anchor="ctr">
                     <a:lnL w="12700" cap="flat" cmpd="sng" algn="ctr">
                       <a:solidFill>
                         <a:schemeClr val="tx1"/>
@@ -15429,7 +15412,7 @@
                   </a:ext>
                 </a:extLst>
               </a:tr>
-              <a:tr h="171318">
+              <a:tr h="147600">
                 <a:tc>
                   <a:txBody>
                     <a:bodyPr/>
@@ -15449,7 +15432,7 @@
                       </a:r>
                     </a:p>
                   </a:txBody>
-                  <a:tcPr marL="8566" marR="8566" marT="8566" marB="0">
+                  <a:tcPr marL="8566" marR="8566" marT="8566" marB="0" anchor="ctr">
                     <a:lnL w="12700" cap="flat" cmpd="sng" algn="ctr">
                       <a:solidFill>
                         <a:schemeClr val="tx1"/>
@@ -15513,7 +15496,7 @@
                       </a:endParaRPr>
                     </a:p>
                   </a:txBody>
-                  <a:tcPr marL="8566" marR="8566" marT="8566" marB="0" anchor="b">
+                  <a:tcPr marL="8566" marR="8566" marT="8566" marB="0" anchor="ctr">
                     <a:lnL w="12700" cap="flat" cmpd="sng" algn="ctr">
                       <a:solidFill>
                         <a:schemeClr val="tx1"/>
@@ -15577,7 +15560,7 @@
                       </a:endParaRPr>
                     </a:p>
                   </a:txBody>
-                  <a:tcPr marL="8566" marR="8566" marT="8566" marB="0" anchor="b">
+                  <a:tcPr marL="8566" marR="8566" marT="8566" marB="0" anchor="ctr">
                     <a:lnL w="12700" cap="flat" cmpd="sng" algn="ctr">
                       <a:solidFill>
                         <a:schemeClr val="tx1"/>
@@ -15641,7 +15624,7 @@
                       </a:endParaRPr>
                     </a:p>
                   </a:txBody>
-                  <a:tcPr marL="8566" marR="8566" marT="8566" marB="0" anchor="b">
+                  <a:tcPr marL="8566" marR="8566" marT="8566" marB="0" anchor="ctr">
                     <a:lnL w="12700" cap="flat" cmpd="sng" algn="ctr">
                       <a:solidFill>
                         <a:schemeClr val="tx1"/>
@@ -15705,7 +15688,7 @@
                       </a:endParaRPr>
                     </a:p>
                   </a:txBody>
-                  <a:tcPr marL="8566" marR="8566" marT="8566" marB="0">
+                  <a:tcPr marL="8566" marR="8566" marT="8566" marB="0" anchor="ctr">
                     <a:lnL w="12700" cap="flat" cmpd="sng" algn="ctr">
                       <a:solidFill>
                         <a:schemeClr val="tx1"/>
@@ -15769,7 +15752,7 @@
                       </a:endParaRPr>
                     </a:p>
                   </a:txBody>
-                  <a:tcPr marL="8566" marR="8566" marT="8566" marB="0" anchor="b">
+                  <a:tcPr marL="8566" marR="8566" marT="8566" marB="0" anchor="ctr">
                     <a:lnL w="12700" cap="flat" cmpd="sng" algn="ctr">
                       <a:solidFill>
                         <a:schemeClr val="tx1"/>
@@ -15815,7 +15798,7 @@
                   </a:ext>
                 </a:extLst>
               </a:tr>
-              <a:tr h="171318">
+              <a:tr h="147600">
                 <a:tc>
                   <a:txBody>
                     <a:bodyPr/>
@@ -15835,7 +15818,7 @@
                       </a:r>
                     </a:p>
                   </a:txBody>
-                  <a:tcPr marL="8566" marR="8566" marT="8566" marB="0">
+                  <a:tcPr marL="8566" marR="8566" marT="8566" marB="0" anchor="ctr">
                     <a:lnL w="12700" cap="flat" cmpd="sng" algn="ctr">
                       <a:solidFill>
                         <a:schemeClr val="tx1"/>
@@ -15899,7 +15882,7 @@
                       </a:endParaRPr>
                     </a:p>
                   </a:txBody>
-                  <a:tcPr marL="8566" marR="8566" marT="8566" marB="0" anchor="b">
+                  <a:tcPr marL="8566" marR="8566" marT="8566" marB="0" anchor="ctr">
                     <a:lnL w="12700" cap="flat" cmpd="sng" algn="ctr">
                       <a:solidFill>
                         <a:schemeClr val="tx1"/>
@@ -15963,7 +15946,7 @@
                       </a:endParaRPr>
                     </a:p>
                   </a:txBody>
-                  <a:tcPr marL="8566" marR="8566" marT="8566" marB="0" anchor="b">
+                  <a:tcPr marL="8566" marR="8566" marT="8566" marB="0" anchor="ctr">
                     <a:lnL w="12700" cap="flat" cmpd="sng" algn="ctr">
                       <a:solidFill>
                         <a:schemeClr val="tx1"/>
@@ -16027,7 +16010,7 @@
                       </a:endParaRPr>
                     </a:p>
                   </a:txBody>
-                  <a:tcPr marL="8566" marR="8566" marT="8566" marB="0" anchor="b">
+                  <a:tcPr marL="8566" marR="8566" marT="8566" marB="0" anchor="ctr">
                     <a:lnL w="12700" cap="flat" cmpd="sng" algn="ctr">
                       <a:solidFill>
                         <a:schemeClr val="tx1"/>
@@ -16091,7 +16074,7 @@
                       </a:endParaRPr>
                     </a:p>
                   </a:txBody>
-                  <a:tcPr marL="8566" marR="8566" marT="8566" marB="0">
+                  <a:tcPr marL="8566" marR="8566" marT="8566" marB="0" anchor="ctr">
                     <a:lnL w="12700" cap="flat" cmpd="sng" algn="ctr">
                       <a:solidFill>
                         <a:schemeClr val="tx1"/>
@@ -16155,7 +16138,7 @@
                       </a:endParaRPr>
                     </a:p>
                   </a:txBody>
-                  <a:tcPr marL="8566" marR="8566" marT="8566" marB="0" anchor="b">
+                  <a:tcPr marL="8566" marR="8566" marT="8566" marB="0" anchor="ctr">
                     <a:lnL w="12700" cap="flat" cmpd="sng" algn="ctr">
                       <a:solidFill>
                         <a:schemeClr val="tx1"/>
@@ -16201,7 +16184,7 @@
                   </a:ext>
                 </a:extLst>
               </a:tr>
-              <a:tr h="171318">
+              <a:tr h="147600">
                 <a:tc>
                   <a:txBody>
                     <a:bodyPr/>
@@ -16221,7 +16204,7 @@
                       </a:r>
                     </a:p>
                   </a:txBody>
-                  <a:tcPr marL="8566" marR="8566" marT="8566" marB="0">
+                  <a:tcPr marL="8566" marR="8566" marT="8566" marB="0" anchor="ctr">
                     <a:lnL w="12700" cap="flat" cmpd="sng" algn="ctr">
                       <a:solidFill>
                         <a:schemeClr val="tx1"/>
@@ -16285,7 +16268,7 @@
                       </a:endParaRPr>
                     </a:p>
                   </a:txBody>
-                  <a:tcPr marL="8566" marR="8566" marT="8566" marB="0" anchor="b">
+                  <a:tcPr marL="8566" marR="8566" marT="8566" marB="0" anchor="ctr">
                     <a:lnL w="12700" cap="flat" cmpd="sng" algn="ctr">
                       <a:solidFill>
                         <a:schemeClr val="tx1"/>
@@ -16349,7 +16332,7 @@
                       </a:endParaRPr>
                     </a:p>
                   </a:txBody>
-                  <a:tcPr marL="8566" marR="8566" marT="8566" marB="0" anchor="b">
+                  <a:tcPr marL="8566" marR="8566" marT="8566" marB="0" anchor="ctr">
                     <a:lnL w="12700" cap="flat" cmpd="sng" algn="ctr">
                       <a:solidFill>
                         <a:schemeClr val="tx1"/>
@@ -16413,7 +16396,7 @@
                       </a:endParaRPr>
                     </a:p>
                   </a:txBody>
-                  <a:tcPr marL="8566" marR="8566" marT="8566" marB="0" anchor="b">
+                  <a:tcPr marL="8566" marR="8566" marT="8566" marB="0" anchor="ctr">
                     <a:lnL w="12700" cap="flat" cmpd="sng" algn="ctr">
                       <a:solidFill>
                         <a:schemeClr val="tx1"/>
@@ -16477,7 +16460,7 @@
                       </a:endParaRPr>
                     </a:p>
                   </a:txBody>
-                  <a:tcPr marL="8566" marR="8566" marT="8566" marB="0">
+                  <a:tcPr marL="8566" marR="8566" marT="8566" marB="0" anchor="ctr">
                     <a:lnL w="12700" cap="flat" cmpd="sng" algn="ctr">
                       <a:solidFill>
                         <a:schemeClr val="tx1"/>
@@ -16541,7 +16524,7 @@
                       </a:endParaRPr>
                     </a:p>
                   </a:txBody>
-                  <a:tcPr marL="8566" marR="8566" marT="8566" marB="0" anchor="b">
+                  <a:tcPr marL="8566" marR="8566" marT="8566" marB="0" anchor="ctr">
                     <a:lnL w="12700" cap="flat" cmpd="sng" algn="ctr">
                       <a:solidFill>
                         <a:schemeClr val="tx1"/>
@@ -16587,7 +16570,7 @@
                   </a:ext>
                 </a:extLst>
               </a:tr>
-              <a:tr h="171318">
+              <a:tr h="147600">
                 <a:tc>
                   <a:txBody>
                     <a:bodyPr/>
@@ -16607,7 +16590,7 @@
                       </a:r>
                     </a:p>
                   </a:txBody>
-                  <a:tcPr marL="8566" marR="8566" marT="8566" marB="0">
+                  <a:tcPr marL="8566" marR="8566" marT="8566" marB="0" anchor="ctr">
                     <a:lnL w="12700" cap="flat" cmpd="sng" algn="ctr">
                       <a:solidFill>
                         <a:schemeClr val="tx1"/>
@@ -16671,7 +16654,7 @@
                       </a:endParaRPr>
                     </a:p>
                   </a:txBody>
-                  <a:tcPr marL="8566" marR="8566" marT="8566" marB="0" anchor="b">
+                  <a:tcPr marL="8566" marR="8566" marT="8566" marB="0" anchor="ctr">
                     <a:lnL w="12700" cap="flat" cmpd="sng" algn="ctr">
                       <a:solidFill>
                         <a:schemeClr val="tx1"/>
@@ -16735,7 +16718,7 @@
                       </a:endParaRPr>
                     </a:p>
                   </a:txBody>
-                  <a:tcPr marL="8566" marR="8566" marT="8566" marB="0" anchor="b">
+                  <a:tcPr marL="8566" marR="8566" marT="8566" marB="0" anchor="ctr">
                     <a:lnL w="12700" cap="flat" cmpd="sng" algn="ctr">
                       <a:solidFill>
                         <a:schemeClr val="tx1"/>
@@ -16799,7 +16782,7 @@
                       </a:endParaRPr>
                     </a:p>
                   </a:txBody>
-                  <a:tcPr marL="8566" marR="8566" marT="8566" marB="0" anchor="b">
+                  <a:tcPr marL="8566" marR="8566" marT="8566" marB="0" anchor="ctr">
                     <a:lnL w="12700" cap="flat" cmpd="sng" algn="ctr">
                       <a:solidFill>
                         <a:schemeClr val="tx1"/>
@@ -16863,7 +16846,7 @@
                       </a:endParaRPr>
                     </a:p>
                   </a:txBody>
-                  <a:tcPr marL="8566" marR="8566" marT="8566" marB="0">
+                  <a:tcPr marL="8566" marR="8566" marT="8566" marB="0" anchor="ctr">
                     <a:lnL w="12700" cap="flat" cmpd="sng" algn="ctr">
                       <a:solidFill>
                         <a:schemeClr val="tx1"/>
@@ -16927,7 +16910,7 @@
                       </a:endParaRPr>
                     </a:p>
                   </a:txBody>
-                  <a:tcPr marL="8566" marR="8566" marT="8566" marB="0" anchor="b">
+                  <a:tcPr marL="8566" marR="8566" marT="8566" marB="0" anchor="ctr">
                     <a:lnL w="12700" cap="flat" cmpd="sng" algn="ctr">
                       <a:solidFill>
                         <a:schemeClr val="tx1"/>
@@ -16973,7 +16956,7 @@
                   </a:ext>
                 </a:extLst>
               </a:tr>
-              <a:tr h="171318">
+              <a:tr h="147600">
                 <a:tc>
                   <a:txBody>
                     <a:bodyPr/>
@@ -16993,7 +16976,7 @@
                       </a:r>
                     </a:p>
                   </a:txBody>
-                  <a:tcPr marL="8566" marR="8566" marT="8566" marB="0">
+                  <a:tcPr marL="8566" marR="8566" marT="8566" marB="0" anchor="ctr">
                     <a:lnL w="12700" cap="flat" cmpd="sng" algn="ctr">
                       <a:solidFill>
                         <a:schemeClr val="tx1"/>
@@ -17057,7 +17040,7 @@
                       </a:endParaRPr>
                     </a:p>
                   </a:txBody>
-                  <a:tcPr marL="8566" marR="8566" marT="8566" marB="0" anchor="b">
+                  <a:tcPr marL="8566" marR="8566" marT="8566" marB="0" anchor="ctr">
                     <a:lnL w="12700" cap="flat" cmpd="sng" algn="ctr">
                       <a:solidFill>
                         <a:schemeClr val="tx1"/>
@@ -17121,7 +17104,7 @@
                       </a:endParaRPr>
                     </a:p>
                   </a:txBody>
-                  <a:tcPr marL="8566" marR="8566" marT="8566" marB="0" anchor="b">
+                  <a:tcPr marL="8566" marR="8566" marT="8566" marB="0" anchor="ctr">
                     <a:lnL w="12700" cap="flat" cmpd="sng" algn="ctr">
                       <a:solidFill>
                         <a:schemeClr val="tx1"/>
@@ -17185,7 +17168,7 @@
                       </a:endParaRPr>
                     </a:p>
                   </a:txBody>
-                  <a:tcPr marL="8566" marR="8566" marT="8566" marB="0" anchor="b">
+                  <a:tcPr marL="8566" marR="8566" marT="8566" marB="0" anchor="ctr">
                     <a:lnL w="12700" cap="flat" cmpd="sng" algn="ctr">
                       <a:solidFill>
                         <a:schemeClr val="tx1"/>
@@ -17249,7 +17232,7 @@
                       </a:endParaRPr>
                     </a:p>
                   </a:txBody>
-                  <a:tcPr marL="8566" marR="8566" marT="8566" marB="0">
+                  <a:tcPr marL="8566" marR="8566" marT="8566" marB="0" anchor="ctr">
                     <a:lnL w="12700" cap="flat" cmpd="sng" algn="ctr">
                       <a:solidFill>
                         <a:schemeClr val="tx1"/>
@@ -17313,7 +17296,7 @@
                       </a:endParaRPr>
                     </a:p>
                   </a:txBody>
-                  <a:tcPr marL="8566" marR="8566" marT="8566" marB="0" anchor="b">
+                  <a:tcPr marL="8566" marR="8566" marT="8566" marB="0" anchor="ctr">
                     <a:lnL w="12700" cap="flat" cmpd="sng" algn="ctr">
                       <a:solidFill>
                         <a:schemeClr val="tx1"/>
@@ -17359,7 +17342,7 @@
                   </a:ext>
                 </a:extLst>
               </a:tr>
-              <a:tr h="171318">
+              <a:tr h="147600">
                 <a:tc>
                   <a:txBody>
                     <a:bodyPr/>
@@ -17379,7 +17362,7 @@
                       </a:r>
                     </a:p>
                   </a:txBody>
-                  <a:tcPr marL="8566" marR="8566" marT="8566" marB="0">
+                  <a:tcPr marL="8566" marR="8566" marT="8566" marB="0" anchor="ctr">
                     <a:lnL w="12700" cap="flat" cmpd="sng" algn="ctr">
                       <a:solidFill>
                         <a:schemeClr val="tx1"/>
@@ -17443,7 +17426,7 @@
                       </a:endParaRPr>
                     </a:p>
                   </a:txBody>
-                  <a:tcPr marL="8566" marR="8566" marT="8566" marB="0" anchor="b">
+                  <a:tcPr marL="8566" marR="8566" marT="8566" marB="0" anchor="ctr">
                     <a:lnL w="12700" cap="flat" cmpd="sng" algn="ctr">
                       <a:solidFill>
                         <a:schemeClr val="tx1"/>
@@ -17507,7 +17490,7 @@
                       </a:endParaRPr>
                     </a:p>
                   </a:txBody>
-                  <a:tcPr marL="8566" marR="8566" marT="8566" marB="0" anchor="b">
+                  <a:tcPr marL="8566" marR="8566" marT="8566" marB="0" anchor="ctr">
                     <a:lnL w="12700" cap="flat" cmpd="sng" algn="ctr">
                       <a:solidFill>
                         <a:schemeClr val="tx1"/>
@@ -17571,7 +17554,7 @@
                       </a:endParaRPr>
                     </a:p>
                   </a:txBody>
-                  <a:tcPr marL="8566" marR="8566" marT="8566" marB="0" anchor="b">
+                  <a:tcPr marL="8566" marR="8566" marT="8566" marB="0" anchor="ctr">
                     <a:lnL w="12700" cap="flat" cmpd="sng" algn="ctr">
                       <a:solidFill>
                         <a:schemeClr val="tx1"/>
@@ -17635,7 +17618,7 @@
                       </a:endParaRPr>
                     </a:p>
                   </a:txBody>
-                  <a:tcPr marL="8566" marR="8566" marT="8566" marB="0">
+                  <a:tcPr marL="8566" marR="8566" marT="8566" marB="0" anchor="ctr">
                     <a:lnL w="12700" cap="flat" cmpd="sng" algn="ctr">
                       <a:solidFill>
                         <a:schemeClr val="tx1"/>
@@ -17699,7 +17682,7 @@
                       </a:endParaRPr>
                     </a:p>
                   </a:txBody>
-                  <a:tcPr marL="8566" marR="8566" marT="8566" marB="0" anchor="b">
+                  <a:tcPr marL="8566" marR="8566" marT="8566" marB="0" anchor="ctr">
                     <a:lnL w="12700" cap="flat" cmpd="sng" algn="ctr">
                       <a:solidFill>
                         <a:schemeClr val="tx1"/>
@@ -17745,7 +17728,7 @@
                   </a:ext>
                 </a:extLst>
               </a:tr>
-              <a:tr h="171318">
+              <a:tr h="147600">
                 <a:tc>
                   <a:txBody>
                     <a:bodyPr/>
@@ -17765,7 +17748,7 @@
                       </a:r>
                     </a:p>
                   </a:txBody>
-                  <a:tcPr marL="8566" marR="8566" marT="8566" marB="0">
+                  <a:tcPr marL="8566" marR="8566" marT="8566" marB="0" anchor="ctr">
                     <a:lnL w="12700" cap="flat" cmpd="sng" algn="ctr">
                       <a:solidFill>
                         <a:schemeClr val="tx1"/>
@@ -17829,7 +17812,7 @@
                       </a:endParaRPr>
                     </a:p>
                   </a:txBody>
-                  <a:tcPr marL="8566" marR="8566" marT="8566" marB="0" anchor="b">
+                  <a:tcPr marL="8566" marR="8566" marT="8566" marB="0" anchor="ctr">
                     <a:lnL w="12700" cap="flat" cmpd="sng" algn="ctr">
                       <a:solidFill>
                         <a:schemeClr val="tx1"/>
@@ -17893,7 +17876,7 @@
                       </a:endParaRPr>
                     </a:p>
                   </a:txBody>
-                  <a:tcPr marL="8566" marR="8566" marT="8566" marB="0" anchor="b">
+                  <a:tcPr marL="8566" marR="8566" marT="8566" marB="0" anchor="ctr">
                     <a:lnL w="12700" cap="flat" cmpd="sng" algn="ctr">
                       <a:solidFill>
                         <a:schemeClr val="tx1"/>
@@ -17957,7 +17940,7 @@
                       </a:endParaRPr>
                     </a:p>
                   </a:txBody>
-                  <a:tcPr marL="8566" marR="8566" marT="8566" marB="0" anchor="b">
+                  <a:tcPr marL="8566" marR="8566" marT="8566" marB="0" anchor="ctr">
                     <a:lnL w="12700" cap="flat" cmpd="sng" algn="ctr">
                       <a:solidFill>
                         <a:schemeClr val="tx1"/>
@@ -18021,7 +18004,7 @@
                       </a:endParaRPr>
                     </a:p>
                   </a:txBody>
-                  <a:tcPr marL="8566" marR="8566" marT="8566" marB="0">
+                  <a:tcPr marL="8566" marR="8566" marT="8566" marB="0" anchor="ctr">
                     <a:lnL w="12700" cap="flat" cmpd="sng" algn="ctr">
                       <a:solidFill>
                         <a:schemeClr val="tx1"/>
@@ -18085,7 +18068,7 @@
                       </a:endParaRPr>
                     </a:p>
                   </a:txBody>
-                  <a:tcPr marL="8566" marR="8566" marT="8566" marB="0" anchor="b">
+                  <a:tcPr marL="8566" marR="8566" marT="8566" marB="0" anchor="ctr">
                     <a:lnL w="12700" cap="flat" cmpd="sng" algn="ctr">
                       <a:solidFill>
                         <a:schemeClr val="tx1"/>
@@ -18131,7 +18114,7 @@
                   </a:ext>
                 </a:extLst>
               </a:tr>
-              <a:tr h="171318">
+              <a:tr h="147600">
                 <a:tc>
                   <a:txBody>
                     <a:bodyPr/>
@@ -18151,7 +18134,7 @@
                       </a:r>
                     </a:p>
                   </a:txBody>
-                  <a:tcPr marL="8566" marR="8566" marT="8566" marB="0">
+                  <a:tcPr marL="8566" marR="8566" marT="8566" marB="0" anchor="ctr">
                     <a:lnL w="12700" cap="flat" cmpd="sng" algn="ctr">
                       <a:solidFill>
                         <a:schemeClr val="tx1"/>
@@ -18215,7 +18198,7 @@
                       </a:endParaRPr>
                     </a:p>
                   </a:txBody>
-                  <a:tcPr marL="8566" marR="8566" marT="8566" marB="0" anchor="b">
+                  <a:tcPr marL="8566" marR="8566" marT="8566" marB="0" anchor="ctr">
                     <a:lnL w="12700" cap="flat" cmpd="sng" algn="ctr">
                       <a:solidFill>
                         <a:schemeClr val="tx1"/>
@@ -18279,7 +18262,7 @@
                       </a:endParaRPr>
                     </a:p>
                   </a:txBody>
-                  <a:tcPr marL="8566" marR="8566" marT="8566" marB="0" anchor="b">
+                  <a:tcPr marL="8566" marR="8566" marT="8566" marB="0" anchor="ctr">
                     <a:lnL w="12700" cap="flat" cmpd="sng" algn="ctr">
                       <a:solidFill>
                         <a:schemeClr val="tx1"/>
@@ -18343,7 +18326,7 @@
                       </a:endParaRPr>
                     </a:p>
                   </a:txBody>
-                  <a:tcPr marL="8566" marR="8566" marT="8566" marB="0" anchor="b">
+                  <a:tcPr marL="8566" marR="8566" marT="8566" marB="0" anchor="ctr">
                     <a:lnL w="12700" cap="flat" cmpd="sng" algn="ctr">
                       <a:solidFill>
                         <a:schemeClr val="tx1"/>
@@ -18407,7 +18390,7 @@
                       </a:endParaRPr>
                     </a:p>
                   </a:txBody>
-                  <a:tcPr marL="8566" marR="8566" marT="8566" marB="0">
+                  <a:tcPr marL="8566" marR="8566" marT="8566" marB="0" anchor="ctr">
                     <a:lnL w="12700" cap="flat" cmpd="sng" algn="ctr">
                       <a:solidFill>
                         <a:schemeClr val="tx1"/>
@@ -18471,7 +18454,7 @@
                       </a:endParaRPr>
                     </a:p>
                   </a:txBody>
-                  <a:tcPr marL="8566" marR="8566" marT="8566" marB="0" anchor="b">
+                  <a:tcPr marL="8566" marR="8566" marT="8566" marB="0" anchor="ctr">
                     <a:lnL w="12700" cap="flat" cmpd="sng" algn="ctr">
                       <a:solidFill>
                         <a:schemeClr val="tx1"/>
@@ -18517,7 +18500,7 @@
                   </a:ext>
                 </a:extLst>
               </a:tr>
-              <a:tr h="171318">
+              <a:tr h="147600">
                 <a:tc>
                   <a:txBody>
                     <a:bodyPr/>
@@ -18537,7 +18520,7 @@
                       </a:r>
                     </a:p>
                   </a:txBody>
-                  <a:tcPr marL="8566" marR="8566" marT="8566" marB="0">
+                  <a:tcPr marL="8566" marR="8566" marT="8566" marB="0" anchor="ctr">
                     <a:lnL w="12700" cap="flat" cmpd="sng" algn="ctr">
                       <a:solidFill>
                         <a:schemeClr val="tx1"/>
@@ -18601,7 +18584,7 @@
                       </a:endParaRPr>
                     </a:p>
                   </a:txBody>
-                  <a:tcPr marL="8566" marR="8566" marT="8566" marB="0" anchor="b">
+                  <a:tcPr marL="8566" marR="8566" marT="8566" marB="0" anchor="ctr">
                     <a:lnL w="12700" cap="flat" cmpd="sng" algn="ctr">
                       <a:solidFill>
                         <a:schemeClr val="tx1"/>
@@ -18665,7 +18648,7 @@
                       </a:endParaRPr>
                     </a:p>
                   </a:txBody>
-                  <a:tcPr marL="8566" marR="8566" marT="8566" marB="0" anchor="b">
+                  <a:tcPr marL="8566" marR="8566" marT="8566" marB="0" anchor="ctr">
                     <a:lnL w="12700" cap="flat" cmpd="sng" algn="ctr">
                       <a:solidFill>
                         <a:schemeClr val="tx1"/>
@@ -18729,7 +18712,7 @@
                       </a:endParaRPr>
                     </a:p>
                   </a:txBody>
-                  <a:tcPr marL="8566" marR="8566" marT="8566" marB="0" anchor="b">
+                  <a:tcPr marL="8566" marR="8566" marT="8566" marB="0" anchor="ctr">
                     <a:lnL w="12700" cap="flat" cmpd="sng" algn="ctr">
                       <a:solidFill>
                         <a:schemeClr val="tx1"/>
@@ -18793,7 +18776,7 @@
                       </a:endParaRPr>
                     </a:p>
                   </a:txBody>
-                  <a:tcPr marL="8566" marR="8566" marT="8566" marB="0">
+                  <a:tcPr marL="8566" marR="8566" marT="8566" marB="0" anchor="ctr">
                     <a:lnL w="12700" cap="flat" cmpd="sng" algn="ctr">
                       <a:solidFill>
                         <a:schemeClr val="tx1"/>
@@ -18857,7 +18840,7 @@
                       </a:endParaRPr>
                     </a:p>
                   </a:txBody>
-                  <a:tcPr marL="8566" marR="8566" marT="8566" marB="0" anchor="b">
+                  <a:tcPr marL="8566" marR="8566" marT="8566" marB="0" anchor="ctr">
                     <a:lnL w="12700" cap="flat" cmpd="sng" algn="ctr">
                       <a:solidFill>
                         <a:schemeClr val="tx1"/>
@@ -18903,7 +18886,7 @@
                   </a:ext>
                 </a:extLst>
               </a:tr>
-              <a:tr h="171318">
+              <a:tr h="147600">
                 <a:tc>
                   <a:txBody>
                     <a:bodyPr/>
@@ -18923,7 +18906,7 @@
                       </a:r>
                     </a:p>
                   </a:txBody>
-                  <a:tcPr marL="8566" marR="8566" marT="8566" marB="0">
+                  <a:tcPr marL="8566" marR="8566" marT="8566" marB="0" anchor="ctr">
                     <a:lnL w="12700" cap="flat" cmpd="sng" algn="ctr">
                       <a:solidFill>
                         <a:schemeClr val="tx1"/>
@@ -18987,7 +18970,7 @@
                       </a:endParaRPr>
                     </a:p>
                   </a:txBody>
-                  <a:tcPr marL="8566" marR="8566" marT="8566" marB="0" anchor="b">
+                  <a:tcPr marL="8566" marR="8566" marT="8566" marB="0" anchor="ctr">
                     <a:lnL w="12700" cap="flat" cmpd="sng" algn="ctr">
                       <a:solidFill>
                         <a:schemeClr val="tx1"/>
@@ -19051,7 +19034,7 @@
                       </a:endParaRPr>
                     </a:p>
                   </a:txBody>
-                  <a:tcPr marL="8566" marR="8566" marT="8566" marB="0" anchor="b">
+                  <a:tcPr marL="8566" marR="8566" marT="8566" marB="0" anchor="ctr">
                     <a:lnL w="12700" cap="flat" cmpd="sng" algn="ctr">
                       <a:solidFill>
                         <a:schemeClr val="tx1"/>
@@ -19115,7 +19098,7 @@
                       </a:endParaRPr>
                     </a:p>
                   </a:txBody>
-                  <a:tcPr marL="8566" marR="8566" marT="8566" marB="0" anchor="b">
+                  <a:tcPr marL="8566" marR="8566" marT="8566" marB="0" anchor="ctr">
                     <a:lnL w="12700" cap="flat" cmpd="sng" algn="ctr">
                       <a:solidFill>
                         <a:schemeClr val="tx1"/>
@@ -19179,7 +19162,7 @@
                       </a:endParaRPr>
                     </a:p>
                   </a:txBody>
-                  <a:tcPr marL="8566" marR="8566" marT="8566" marB="0">
+                  <a:tcPr marL="8566" marR="8566" marT="8566" marB="0" anchor="ctr">
                     <a:lnL w="12700" cap="flat" cmpd="sng" algn="ctr">
                       <a:solidFill>
                         <a:schemeClr val="tx1"/>
@@ -19243,7 +19226,7 @@
                       </a:endParaRPr>
                     </a:p>
                   </a:txBody>
-                  <a:tcPr marL="8566" marR="8566" marT="8566" marB="0" anchor="b">
+                  <a:tcPr marL="8566" marR="8566" marT="8566" marB="0" anchor="ctr">
                     <a:lnL w="12700" cap="flat" cmpd="sng" algn="ctr">
                       <a:solidFill>
                         <a:schemeClr val="tx1"/>
@@ -19289,7 +19272,7 @@
                   </a:ext>
                 </a:extLst>
               </a:tr>
-              <a:tr h="171318">
+              <a:tr h="147600">
                 <a:tc>
                   <a:txBody>
                     <a:bodyPr/>
@@ -19309,7 +19292,7 @@
                       </a:r>
                     </a:p>
                   </a:txBody>
-                  <a:tcPr marL="8566" marR="8566" marT="8566" marB="0">
+                  <a:tcPr marL="8566" marR="8566" marT="8566" marB="0" anchor="ctr">
                     <a:lnL w="12700" cap="flat" cmpd="sng" algn="ctr">
                       <a:solidFill>
                         <a:schemeClr val="tx1"/>
@@ -19373,7 +19356,7 @@
                       </a:endParaRPr>
                     </a:p>
                   </a:txBody>
-                  <a:tcPr marL="8566" marR="8566" marT="8566" marB="0" anchor="b">
+                  <a:tcPr marL="8566" marR="8566" marT="8566" marB="0" anchor="ctr">
                     <a:lnL w="12700" cap="flat" cmpd="sng" algn="ctr">
                       <a:solidFill>
                         <a:schemeClr val="tx1"/>
@@ -19437,7 +19420,7 @@
                       </a:endParaRPr>
                     </a:p>
                   </a:txBody>
-                  <a:tcPr marL="8566" marR="8566" marT="8566" marB="0" anchor="b">
+                  <a:tcPr marL="8566" marR="8566" marT="8566" marB="0" anchor="ctr">
                     <a:lnL w="12700" cap="flat" cmpd="sng" algn="ctr">
                       <a:solidFill>
                         <a:schemeClr val="tx1"/>
@@ -19501,7 +19484,7 @@
                       </a:endParaRPr>
                     </a:p>
                   </a:txBody>
-                  <a:tcPr marL="8566" marR="8566" marT="8566" marB="0" anchor="b">
+                  <a:tcPr marL="8566" marR="8566" marT="8566" marB="0" anchor="ctr">
                     <a:lnL w="12700" cap="flat" cmpd="sng" algn="ctr">
                       <a:solidFill>
                         <a:schemeClr val="tx1"/>
@@ -19565,7 +19548,7 @@
                       </a:endParaRPr>
                     </a:p>
                   </a:txBody>
-                  <a:tcPr marL="8566" marR="8566" marT="8566" marB="0">
+                  <a:tcPr marL="8566" marR="8566" marT="8566" marB="0" anchor="ctr">
                     <a:lnL w="12700" cap="flat" cmpd="sng" algn="ctr">
                       <a:solidFill>
                         <a:schemeClr val="tx1"/>
@@ -19629,7 +19612,7 @@
                       </a:endParaRPr>
                     </a:p>
                   </a:txBody>
-                  <a:tcPr marL="8566" marR="8566" marT="8566" marB="0" anchor="b">
+                  <a:tcPr marL="8566" marR="8566" marT="8566" marB="0" anchor="ctr">
                     <a:lnL w="12700" cap="flat" cmpd="sng" algn="ctr">
                       <a:solidFill>
                         <a:schemeClr val="tx1"/>
@@ -19675,7 +19658,7 @@
                   </a:ext>
                 </a:extLst>
               </a:tr>
-              <a:tr h="171318">
+              <a:tr h="147600">
                 <a:tc>
                   <a:txBody>
                     <a:bodyPr/>
@@ -19695,7 +19678,7 @@
                       </a:r>
                     </a:p>
                   </a:txBody>
-                  <a:tcPr marL="8566" marR="8566" marT="8566" marB="0">
+                  <a:tcPr marL="8566" marR="8566" marT="8566" marB="0" anchor="ctr">
                     <a:lnL w="12700" cap="flat" cmpd="sng" algn="ctr">
                       <a:solidFill>
                         <a:schemeClr val="tx1"/>
@@ -19759,7 +19742,7 @@
                       </a:endParaRPr>
                     </a:p>
                   </a:txBody>
-                  <a:tcPr marL="8566" marR="8566" marT="8566" marB="0" anchor="b">
+                  <a:tcPr marL="8566" marR="8566" marT="8566" marB="0" anchor="ctr">
                     <a:lnL w="12700" cap="flat" cmpd="sng" algn="ctr">
                       <a:solidFill>
                         <a:schemeClr val="tx1"/>
@@ -19823,7 +19806,7 @@
                       </a:endParaRPr>
                     </a:p>
                   </a:txBody>
-                  <a:tcPr marL="8566" marR="8566" marT="8566" marB="0" anchor="b">
+                  <a:tcPr marL="8566" marR="8566" marT="8566" marB="0" anchor="ctr">
                     <a:lnL w="12700" cap="flat" cmpd="sng" algn="ctr">
                       <a:solidFill>
                         <a:schemeClr val="tx1"/>
@@ -19887,7 +19870,7 @@
                       </a:endParaRPr>
                     </a:p>
                   </a:txBody>
-                  <a:tcPr marL="8566" marR="8566" marT="8566" marB="0" anchor="b">
+                  <a:tcPr marL="8566" marR="8566" marT="8566" marB="0" anchor="ctr">
                     <a:lnL w="12700" cap="flat" cmpd="sng" algn="ctr">
                       <a:solidFill>
                         <a:schemeClr val="tx1"/>
@@ -19951,7 +19934,7 @@
                       </a:endParaRPr>
                     </a:p>
                   </a:txBody>
-                  <a:tcPr marL="8566" marR="8566" marT="8566" marB="0">
+                  <a:tcPr marL="8566" marR="8566" marT="8566" marB="0" anchor="ctr">
                     <a:lnL w="12700" cap="flat" cmpd="sng" algn="ctr">
                       <a:solidFill>
                         <a:schemeClr val="tx1"/>
@@ -20015,7 +19998,7 @@
                       </a:endParaRPr>
                     </a:p>
                   </a:txBody>
-                  <a:tcPr marL="8566" marR="8566" marT="8566" marB="0" anchor="b">
+                  <a:tcPr marL="8566" marR="8566" marT="8566" marB="0" anchor="ctr">
                     <a:lnL w="12700" cap="flat" cmpd="sng" algn="ctr">
                       <a:solidFill>
                         <a:schemeClr val="tx1"/>
@@ -20061,7 +20044,7 @@
                   </a:ext>
                 </a:extLst>
               </a:tr>
-              <a:tr h="171318">
+              <a:tr h="147600">
                 <a:tc>
                   <a:txBody>
                     <a:bodyPr/>
@@ -20081,7 +20064,7 @@
                       </a:r>
                     </a:p>
                   </a:txBody>
-                  <a:tcPr marL="8566" marR="8566" marT="8566" marB="0">
+                  <a:tcPr marL="8566" marR="8566" marT="8566" marB="0" anchor="ctr">
                     <a:lnL w="12700" cap="flat" cmpd="sng" algn="ctr">
                       <a:solidFill>
                         <a:schemeClr val="tx1"/>
@@ -20145,7 +20128,7 @@
                       </a:endParaRPr>
                     </a:p>
                   </a:txBody>
-                  <a:tcPr marL="8566" marR="8566" marT="8566" marB="0" anchor="b">
+                  <a:tcPr marL="8566" marR="8566" marT="8566" marB="0" anchor="ctr">
                     <a:lnL w="12700" cap="flat" cmpd="sng" algn="ctr">
                       <a:solidFill>
                         <a:schemeClr val="tx1"/>
@@ -20209,7 +20192,7 @@
                       </a:endParaRPr>
                     </a:p>
                   </a:txBody>
-                  <a:tcPr marL="8566" marR="8566" marT="8566" marB="0" anchor="b">
+                  <a:tcPr marL="8566" marR="8566" marT="8566" marB="0" anchor="ctr">
                     <a:lnL w="12700" cap="flat" cmpd="sng" algn="ctr">
                       <a:solidFill>
                         <a:schemeClr val="tx1"/>
@@ -20273,7 +20256,7 @@
                       </a:endParaRPr>
                     </a:p>
                   </a:txBody>
-                  <a:tcPr marL="8566" marR="8566" marT="8566" marB="0" anchor="b">
+                  <a:tcPr marL="8566" marR="8566" marT="8566" marB="0" anchor="ctr">
                     <a:lnL w="12700" cap="flat" cmpd="sng" algn="ctr">
                       <a:solidFill>
                         <a:schemeClr val="tx1"/>
@@ -20337,7 +20320,7 @@
                       </a:endParaRPr>
                     </a:p>
                   </a:txBody>
-                  <a:tcPr marL="8566" marR="8566" marT="8566" marB="0">
+                  <a:tcPr marL="8566" marR="8566" marT="8566" marB="0" anchor="ctr">
                     <a:lnL w="12700" cap="flat" cmpd="sng" algn="ctr">
                       <a:solidFill>
                         <a:schemeClr val="tx1"/>
@@ -20401,7 +20384,7 @@
                       </a:endParaRPr>
                     </a:p>
                   </a:txBody>
-                  <a:tcPr marL="8566" marR="8566" marT="8566" marB="0" anchor="b">
+                  <a:tcPr marL="8566" marR="8566" marT="8566" marB="0" anchor="ctr">
                     <a:lnL w="12700" cap="flat" cmpd="sng" algn="ctr">
                       <a:solidFill>
                         <a:schemeClr val="tx1"/>
@@ -20447,7 +20430,7 @@
                   </a:ext>
                 </a:extLst>
               </a:tr>
-              <a:tr h="171318">
+              <a:tr h="147600">
                 <a:tc>
                   <a:txBody>
                     <a:bodyPr/>
@@ -20467,7 +20450,7 @@
                       </a:r>
                     </a:p>
                   </a:txBody>
-                  <a:tcPr marL="8566" marR="8566" marT="8566" marB="0">
+                  <a:tcPr marL="8566" marR="8566" marT="8566" marB="0" anchor="ctr">
                     <a:lnL w="12700" cap="flat" cmpd="sng" algn="ctr">
                       <a:solidFill>
                         <a:schemeClr val="tx1"/>
@@ -20531,7 +20514,7 @@
                       </a:endParaRPr>
                     </a:p>
                   </a:txBody>
-                  <a:tcPr marL="8566" marR="8566" marT="8566" marB="0" anchor="b">
+                  <a:tcPr marL="8566" marR="8566" marT="8566" marB="0" anchor="ctr">
                     <a:lnL w="12700" cap="flat" cmpd="sng" algn="ctr">
                       <a:solidFill>
                         <a:schemeClr val="tx1"/>
@@ -20595,7 +20578,7 @@
                       </a:endParaRPr>
                     </a:p>
                   </a:txBody>
-                  <a:tcPr marL="8566" marR="8566" marT="8566" marB="0" anchor="b">
+                  <a:tcPr marL="8566" marR="8566" marT="8566" marB="0" anchor="ctr">
                     <a:lnL w="12700" cap="flat" cmpd="sng" algn="ctr">
                       <a:solidFill>
                         <a:schemeClr val="tx1"/>
@@ -20659,7 +20642,7 @@
                       </a:endParaRPr>
                     </a:p>
                   </a:txBody>
-                  <a:tcPr marL="8566" marR="8566" marT="8566" marB="0" anchor="b">
+                  <a:tcPr marL="8566" marR="8566" marT="8566" marB="0" anchor="ctr">
                     <a:lnL w="12700" cap="flat" cmpd="sng" algn="ctr">
                       <a:solidFill>
                         <a:schemeClr val="tx1"/>
@@ -20723,7 +20706,7 @@
                       </a:endParaRPr>
                     </a:p>
                   </a:txBody>
-                  <a:tcPr marL="8566" marR="8566" marT="8566" marB="0">
+                  <a:tcPr marL="8566" marR="8566" marT="8566" marB="0" anchor="ctr">
                     <a:lnL w="12700" cap="flat" cmpd="sng" algn="ctr">
                       <a:solidFill>
                         <a:schemeClr val="tx1"/>
@@ -20787,7 +20770,7 @@
                       </a:endParaRPr>
                     </a:p>
                   </a:txBody>
-                  <a:tcPr marL="8566" marR="8566" marT="8566" marB="0" anchor="b">
+                  <a:tcPr marL="8566" marR="8566" marT="8566" marB="0" anchor="ctr">
                     <a:lnL w="12700" cap="flat" cmpd="sng" algn="ctr">
                       <a:solidFill>
                         <a:schemeClr val="tx1"/>
@@ -20833,7 +20816,7 @@
                   </a:ext>
                 </a:extLst>
               </a:tr>
-              <a:tr h="171318">
+              <a:tr h="147600">
                 <a:tc>
                   <a:txBody>
                     <a:bodyPr/>
@@ -20853,7 +20836,7 @@
                       </a:r>
                     </a:p>
                   </a:txBody>
-                  <a:tcPr marL="8566" marR="8566" marT="8566" marB="0">
+                  <a:tcPr marL="8566" marR="8566" marT="8566" marB="0" anchor="ctr">
                     <a:lnL w="12700" cap="flat" cmpd="sng" algn="ctr">
                       <a:solidFill>
                         <a:schemeClr val="tx1"/>
@@ -20917,7 +20900,7 @@
                       </a:endParaRPr>
                     </a:p>
                   </a:txBody>
-                  <a:tcPr marL="8566" marR="8566" marT="8566" marB="0" anchor="b">
+                  <a:tcPr marL="8566" marR="8566" marT="8566" marB="0" anchor="ctr">
                     <a:lnL w="12700" cap="flat" cmpd="sng" algn="ctr">
                       <a:solidFill>
                         <a:schemeClr val="tx1"/>
@@ -20981,7 +20964,7 @@
                       </a:endParaRPr>
                     </a:p>
                   </a:txBody>
-                  <a:tcPr marL="8566" marR="8566" marT="8566" marB="0" anchor="b">
+                  <a:tcPr marL="8566" marR="8566" marT="8566" marB="0" anchor="ctr">
                     <a:lnL w="12700" cap="flat" cmpd="sng" algn="ctr">
                       <a:solidFill>
                         <a:schemeClr val="tx1"/>
@@ -21045,7 +21028,7 @@
                       </a:endParaRPr>
                     </a:p>
                   </a:txBody>
-                  <a:tcPr marL="8566" marR="8566" marT="8566" marB="0" anchor="b">
+                  <a:tcPr marL="8566" marR="8566" marT="8566" marB="0" anchor="ctr">
                     <a:lnL w="12700" cap="flat" cmpd="sng" algn="ctr">
                       <a:solidFill>
                         <a:schemeClr val="tx1"/>
@@ -21109,7 +21092,7 @@
                       </a:endParaRPr>
                     </a:p>
                   </a:txBody>
-                  <a:tcPr marL="8566" marR="8566" marT="8566" marB="0">
+                  <a:tcPr marL="8566" marR="8566" marT="8566" marB="0" anchor="ctr">
                     <a:lnL w="12700" cap="flat" cmpd="sng" algn="ctr">
                       <a:solidFill>
                         <a:schemeClr val="tx1"/>
@@ -21173,7 +21156,7 @@
                       </a:endParaRPr>
                     </a:p>
                   </a:txBody>
-                  <a:tcPr marL="8566" marR="8566" marT="8566" marB="0" anchor="b">
+                  <a:tcPr marL="8566" marR="8566" marT="8566" marB="0" anchor="ctr">
                     <a:lnL w="12700" cap="flat" cmpd="sng" algn="ctr">
                       <a:solidFill>
                         <a:schemeClr val="tx1"/>
@@ -21219,7 +21202,7 @@
                   </a:ext>
                 </a:extLst>
               </a:tr>
-              <a:tr h="171318">
+              <a:tr h="147600">
                 <a:tc>
                   <a:txBody>
                     <a:bodyPr/>
@@ -21239,7 +21222,7 @@
                       </a:r>
                     </a:p>
                   </a:txBody>
-                  <a:tcPr marL="8566" marR="8566" marT="8566" marB="0">
+                  <a:tcPr marL="8566" marR="8566" marT="8566" marB="0" anchor="ctr">
                     <a:lnL w="12700" cap="flat" cmpd="sng" algn="ctr">
                       <a:solidFill>
                         <a:schemeClr val="tx1"/>
@@ -21303,7 +21286,7 @@
                       </a:endParaRPr>
                     </a:p>
                   </a:txBody>
-                  <a:tcPr marL="8566" marR="8566" marT="8566" marB="0" anchor="b">
+                  <a:tcPr marL="8566" marR="8566" marT="8566" marB="0" anchor="ctr">
                     <a:lnL w="12700" cap="flat" cmpd="sng" algn="ctr">
                       <a:solidFill>
                         <a:schemeClr val="tx1"/>
@@ -21367,7 +21350,7 @@
                       </a:endParaRPr>
                     </a:p>
                   </a:txBody>
-                  <a:tcPr marL="8566" marR="8566" marT="8566" marB="0" anchor="b">
+                  <a:tcPr marL="8566" marR="8566" marT="8566" marB="0" anchor="ctr">
                     <a:lnL w="12700" cap="flat" cmpd="sng" algn="ctr">
                       <a:solidFill>
                         <a:schemeClr val="tx1"/>
@@ -21431,7 +21414,7 @@
                       </a:endParaRPr>
                     </a:p>
                   </a:txBody>
-                  <a:tcPr marL="8566" marR="8566" marT="8566" marB="0" anchor="b">
+                  <a:tcPr marL="8566" marR="8566" marT="8566" marB="0" anchor="ctr">
                     <a:lnL w="12700" cap="flat" cmpd="sng" algn="ctr">
                       <a:solidFill>
                         <a:schemeClr val="tx1"/>
@@ -21495,7 +21478,7 @@
                       </a:endParaRPr>
                     </a:p>
                   </a:txBody>
-                  <a:tcPr marL="8566" marR="8566" marT="8566" marB="0">
+                  <a:tcPr marL="8566" marR="8566" marT="8566" marB="0" anchor="ctr">
                     <a:lnL w="12700" cap="flat" cmpd="sng" algn="ctr">
                       <a:solidFill>
                         <a:schemeClr val="tx1"/>
@@ -21559,7 +21542,7 @@
                       </a:endParaRPr>
                     </a:p>
                   </a:txBody>
-                  <a:tcPr marL="8566" marR="8566" marT="8566" marB="0" anchor="b">
+                  <a:tcPr marL="8566" marR="8566" marT="8566" marB="0" anchor="ctr">
                     <a:lnL w="12700" cap="flat" cmpd="sng" algn="ctr">
                       <a:solidFill>
                         <a:schemeClr val="tx1"/>
@@ -21605,7 +21588,7 @@
                   </a:ext>
                 </a:extLst>
               </a:tr>
-              <a:tr h="171318">
+              <a:tr h="147600">
                 <a:tc>
                   <a:txBody>
                     <a:bodyPr/>
@@ -21625,7 +21608,7 @@
                       </a:r>
                     </a:p>
                   </a:txBody>
-                  <a:tcPr marL="8566" marR="8566" marT="8566" marB="0">
+                  <a:tcPr marL="8566" marR="8566" marT="8566" marB="0" anchor="ctr">
                     <a:lnL w="12700" cap="flat" cmpd="sng" algn="ctr">
                       <a:solidFill>
                         <a:schemeClr val="tx1"/>
@@ -21689,7 +21672,7 @@
                       </a:endParaRPr>
                     </a:p>
                   </a:txBody>
-                  <a:tcPr marL="8566" marR="8566" marT="8566" marB="0" anchor="b">
+                  <a:tcPr marL="8566" marR="8566" marT="8566" marB="0" anchor="ctr">
                     <a:lnL w="12700" cap="flat" cmpd="sng" algn="ctr">
                       <a:solidFill>
                         <a:schemeClr val="tx1"/>
@@ -21753,7 +21736,7 @@
                       </a:endParaRPr>
                     </a:p>
                   </a:txBody>
-                  <a:tcPr marL="8566" marR="8566" marT="8566" marB="0" anchor="b">
+                  <a:tcPr marL="8566" marR="8566" marT="8566" marB="0" anchor="ctr">
                     <a:lnL w="12700" cap="flat" cmpd="sng" algn="ctr">
                       <a:solidFill>
                         <a:schemeClr val="tx1"/>
@@ -21817,7 +21800,7 @@
                       </a:endParaRPr>
                     </a:p>
                   </a:txBody>
-                  <a:tcPr marL="8566" marR="8566" marT="8566" marB="0" anchor="b">
+                  <a:tcPr marL="8566" marR="8566" marT="8566" marB="0" anchor="ctr">
                     <a:lnL w="12700" cap="flat" cmpd="sng" algn="ctr">
                       <a:solidFill>
                         <a:schemeClr val="tx1"/>
@@ -21881,7 +21864,7 @@
                       </a:endParaRPr>
                     </a:p>
                   </a:txBody>
-                  <a:tcPr marL="8566" marR="8566" marT="8566" marB="0">
+                  <a:tcPr marL="8566" marR="8566" marT="8566" marB="0" anchor="ctr">
                     <a:lnL w="12700" cap="flat" cmpd="sng" algn="ctr">
                       <a:solidFill>
                         <a:schemeClr val="tx1"/>
@@ -21945,7 +21928,7 @@
                       </a:endParaRPr>
                     </a:p>
                   </a:txBody>
-                  <a:tcPr marL="8566" marR="8566" marT="8566" marB="0" anchor="b">
+                  <a:tcPr marL="8566" marR="8566" marT="8566" marB="0" anchor="ctr">
                     <a:lnL w="12700" cap="flat" cmpd="sng" algn="ctr">
                       <a:solidFill>
                         <a:schemeClr val="tx1"/>
@@ -21991,7 +21974,7 @@
                   </a:ext>
                 </a:extLst>
               </a:tr>
-              <a:tr h="171318">
+              <a:tr h="147600">
                 <a:tc>
                   <a:txBody>
                     <a:bodyPr/>
@@ -22011,7 +21994,7 @@
                       </a:r>
                     </a:p>
                   </a:txBody>
-                  <a:tcPr marL="8566" marR="8566" marT="8566" marB="0">
+                  <a:tcPr marL="8566" marR="8566" marT="8566" marB="0" anchor="ctr">
                     <a:lnL w="12700" cap="flat" cmpd="sng" algn="ctr">
                       <a:solidFill>
                         <a:schemeClr val="tx1"/>
@@ -22075,7 +22058,7 @@
                       </a:endParaRPr>
                     </a:p>
                   </a:txBody>
-                  <a:tcPr marL="8566" marR="8566" marT="8566" marB="0" anchor="b">
+                  <a:tcPr marL="8566" marR="8566" marT="8566" marB="0" anchor="ctr">
                     <a:lnL w="12700" cap="flat" cmpd="sng" algn="ctr">
                       <a:solidFill>
                         <a:schemeClr val="tx1"/>
@@ -22139,7 +22122,7 @@
                       </a:endParaRPr>
                     </a:p>
                   </a:txBody>
-                  <a:tcPr marL="8566" marR="8566" marT="8566" marB="0" anchor="b">
+                  <a:tcPr marL="8566" marR="8566" marT="8566" marB="0" anchor="ctr">
                     <a:lnL w="12700" cap="flat" cmpd="sng" algn="ctr">
                       <a:solidFill>
                         <a:schemeClr val="tx1"/>
@@ -22203,7 +22186,7 @@
                       </a:endParaRPr>
                     </a:p>
                   </a:txBody>
-                  <a:tcPr marL="8566" marR="8566" marT="8566" marB="0" anchor="b">
+                  <a:tcPr marL="8566" marR="8566" marT="8566" marB="0" anchor="ctr">
                     <a:lnL w="12700" cap="flat" cmpd="sng" algn="ctr">
                       <a:solidFill>
                         <a:schemeClr val="tx1"/>
@@ -22267,7 +22250,7 @@
                       </a:endParaRPr>
                     </a:p>
                   </a:txBody>
-                  <a:tcPr marL="8566" marR="8566" marT="8566" marB="0">
+                  <a:tcPr marL="8566" marR="8566" marT="8566" marB="0" anchor="ctr">
                     <a:lnL w="12700" cap="flat" cmpd="sng" algn="ctr">
                       <a:solidFill>
                         <a:schemeClr val="tx1"/>
@@ -22331,7 +22314,7 @@
                       </a:endParaRPr>
                     </a:p>
                   </a:txBody>
-                  <a:tcPr marL="8566" marR="8566" marT="8566" marB="0" anchor="b">
+                  <a:tcPr marL="8566" marR="8566" marT="8566" marB="0" anchor="ctr">
                     <a:lnL w="12700" cap="flat" cmpd="sng" algn="ctr">
                       <a:solidFill>
                         <a:schemeClr val="tx1"/>
@@ -22377,7 +22360,7 @@
                   </a:ext>
                 </a:extLst>
               </a:tr>
-              <a:tr h="171318">
+              <a:tr h="147600">
                 <a:tc>
                   <a:txBody>
                     <a:bodyPr/>
@@ -22397,7 +22380,7 @@
                       </a:r>
                     </a:p>
                   </a:txBody>
-                  <a:tcPr marL="8566" marR="8566" marT="8566" marB="0">
+                  <a:tcPr marL="8566" marR="8566" marT="8566" marB="0" anchor="ctr">
                     <a:lnL w="12700" cap="flat" cmpd="sng" algn="ctr">
                       <a:solidFill>
                         <a:schemeClr val="tx1"/>
@@ -22461,7 +22444,7 @@
                       </a:endParaRPr>
                     </a:p>
                   </a:txBody>
-                  <a:tcPr marL="8566" marR="8566" marT="8566" marB="0" anchor="b">
+                  <a:tcPr marL="8566" marR="8566" marT="8566" marB="0" anchor="ctr">
                     <a:lnL w="12700" cap="flat" cmpd="sng" algn="ctr">
                       <a:solidFill>
                         <a:schemeClr val="tx1"/>
@@ -22525,7 +22508,7 @@
                       </a:endParaRPr>
                     </a:p>
                   </a:txBody>
-                  <a:tcPr marL="8566" marR="8566" marT="8566" marB="0" anchor="b">
+                  <a:tcPr marL="8566" marR="8566" marT="8566" marB="0" anchor="ctr">
                     <a:lnL w="12700" cap="flat" cmpd="sng" algn="ctr">
                       <a:solidFill>
                         <a:schemeClr val="tx1"/>
@@ -22589,7 +22572,7 @@
                       </a:endParaRPr>
                     </a:p>
                   </a:txBody>
-                  <a:tcPr marL="8566" marR="8566" marT="8566" marB="0" anchor="b">
+                  <a:tcPr marL="8566" marR="8566" marT="8566" marB="0" anchor="ctr">
                     <a:lnL w="12700" cap="flat" cmpd="sng" algn="ctr">
                       <a:solidFill>
                         <a:schemeClr val="tx1"/>
@@ -22653,7 +22636,7 @@
                       </a:endParaRPr>
                     </a:p>
                   </a:txBody>
-                  <a:tcPr marL="8566" marR="8566" marT="8566" marB="0">
+                  <a:tcPr marL="8566" marR="8566" marT="8566" marB="0" anchor="ctr">
                     <a:lnL w="12700" cap="flat" cmpd="sng" algn="ctr">
                       <a:solidFill>
                         <a:schemeClr val="tx1"/>
@@ -22717,7 +22700,7 @@
                       </a:endParaRPr>
                     </a:p>
                   </a:txBody>
-                  <a:tcPr marL="8566" marR="8566" marT="8566" marB="0" anchor="b">
+                  <a:tcPr marL="8566" marR="8566" marT="8566" marB="0" anchor="ctr">
                     <a:lnL w="12700" cap="flat" cmpd="sng" algn="ctr">
                       <a:solidFill>
                         <a:schemeClr val="tx1"/>
@@ -22763,7 +22746,7 @@
                   </a:ext>
                 </a:extLst>
               </a:tr>
-              <a:tr h="171318">
+              <a:tr h="147600">
                 <a:tc>
                   <a:txBody>
                     <a:bodyPr/>
@@ -22783,7 +22766,7 @@
                       </a:r>
                     </a:p>
                   </a:txBody>
-                  <a:tcPr marL="8566" marR="8566" marT="8566" marB="0">
+                  <a:tcPr marL="8566" marR="8566" marT="8566" marB="0" anchor="ctr">
                     <a:lnL w="12700" cap="flat" cmpd="sng" algn="ctr">
                       <a:solidFill>
                         <a:schemeClr val="tx1"/>
@@ -22847,7 +22830,7 @@
                       </a:endParaRPr>
                     </a:p>
                   </a:txBody>
-                  <a:tcPr marL="8566" marR="8566" marT="8566" marB="0" anchor="b">
+                  <a:tcPr marL="8566" marR="8566" marT="8566" marB="0" anchor="ctr">
                     <a:lnL w="12700" cap="flat" cmpd="sng" algn="ctr">
                       <a:solidFill>
                         <a:schemeClr val="tx1"/>
@@ -22911,7 +22894,7 @@
                       </a:endParaRPr>
                     </a:p>
                   </a:txBody>
-                  <a:tcPr marL="8566" marR="8566" marT="8566" marB="0" anchor="b">
+                  <a:tcPr marL="8566" marR="8566" marT="8566" marB="0" anchor="ctr">
                     <a:lnL w="12700" cap="flat" cmpd="sng" algn="ctr">
                       <a:solidFill>
                         <a:schemeClr val="tx1"/>
@@ -22975,7 +22958,7 @@
                       </a:endParaRPr>
                     </a:p>
                   </a:txBody>
-                  <a:tcPr marL="8566" marR="8566" marT="8566" marB="0" anchor="b">
+                  <a:tcPr marL="8566" marR="8566" marT="8566" marB="0" anchor="ctr">
                     <a:lnL w="12700" cap="flat" cmpd="sng" algn="ctr">
                       <a:solidFill>
                         <a:schemeClr val="tx1"/>
@@ -23039,7 +23022,7 @@
                       </a:endParaRPr>
                     </a:p>
                   </a:txBody>
-                  <a:tcPr marL="8566" marR="8566" marT="8566" marB="0">
+                  <a:tcPr marL="8566" marR="8566" marT="8566" marB="0" anchor="ctr">
                     <a:lnL w="12700" cap="flat" cmpd="sng" algn="ctr">
                       <a:solidFill>
                         <a:schemeClr val="tx1"/>
@@ -23103,7 +23086,7 @@
                       </a:endParaRPr>
                     </a:p>
                   </a:txBody>
-                  <a:tcPr marL="8566" marR="8566" marT="8566" marB="0" anchor="b">
+                  <a:tcPr marL="8566" marR="8566" marT="8566" marB="0" anchor="ctr">
                     <a:lnL w="12700" cap="flat" cmpd="sng" algn="ctr">
                       <a:solidFill>
                         <a:schemeClr val="tx1"/>
@@ -23149,7 +23132,7 @@
                   </a:ext>
                 </a:extLst>
               </a:tr>
-              <a:tr h="171318">
+              <a:tr h="147600">
                 <a:tc>
                   <a:txBody>
                     <a:bodyPr/>
@@ -23169,7 +23152,7 @@
                       </a:r>
                     </a:p>
                   </a:txBody>
-                  <a:tcPr marL="8566" marR="8566" marT="8566" marB="0">
+                  <a:tcPr marL="8566" marR="8566" marT="8566" marB="0" anchor="ctr">
                     <a:lnL w="12700" cap="flat" cmpd="sng" algn="ctr">
                       <a:solidFill>
                         <a:schemeClr val="tx1"/>
@@ -23233,7 +23216,7 @@
                       </a:endParaRPr>
                     </a:p>
                   </a:txBody>
-                  <a:tcPr marL="8566" marR="8566" marT="8566" marB="0" anchor="b">
+                  <a:tcPr marL="8566" marR="8566" marT="8566" marB="0" anchor="ctr">
                     <a:lnL w="12700" cap="flat" cmpd="sng" algn="ctr">
                       <a:solidFill>
                         <a:schemeClr val="tx1"/>
@@ -23297,7 +23280,7 @@
                       </a:endParaRPr>
                     </a:p>
                   </a:txBody>
-                  <a:tcPr marL="8566" marR="8566" marT="8566" marB="0" anchor="b">
+                  <a:tcPr marL="8566" marR="8566" marT="8566" marB="0" anchor="ctr">
                     <a:lnL w="12700" cap="flat" cmpd="sng" algn="ctr">
                       <a:solidFill>
                         <a:schemeClr val="tx1"/>
@@ -23361,7 +23344,7 @@
                       </a:endParaRPr>
                     </a:p>
                   </a:txBody>
-                  <a:tcPr marL="8566" marR="8566" marT="8566" marB="0" anchor="b">
+                  <a:tcPr marL="8566" marR="8566" marT="8566" marB="0" anchor="ctr">
                     <a:lnL w="12700" cap="flat" cmpd="sng" algn="ctr">
                       <a:solidFill>
                         <a:schemeClr val="tx1"/>
@@ -23425,7 +23408,7 @@
                       </a:endParaRPr>
                     </a:p>
                   </a:txBody>
-                  <a:tcPr marL="8566" marR="8566" marT="8566" marB="0">
+                  <a:tcPr marL="8566" marR="8566" marT="8566" marB="0" anchor="ctr">
                     <a:lnL w="12700" cap="flat" cmpd="sng" algn="ctr">
                       <a:solidFill>
                         <a:schemeClr val="tx1"/>
@@ -23489,7 +23472,7 @@
                       </a:endParaRPr>
                     </a:p>
                   </a:txBody>
-                  <a:tcPr marL="8566" marR="8566" marT="8566" marB="0" anchor="b">
+                  <a:tcPr marL="8566" marR="8566" marT="8566" marB="0" anchor="ctr">
                     <a:lnL w="12700" cap="flat" cmpd="sng" algn="ctr">
                       <a:solidFill>
                         <a:schemeClr val="tx1"/>
@@ -23535,7 +23518,7 @@
                   </a:ext>
                 </a:extLst>
               </a:tr>
-              <a:tr h="171318">
+              <a:tr h="147600">
                 <a:tc>
                   <a:txBody>
                     <a:bodyPr/>
@@ -23555,7 +23538,7 @@
                       </a:r>
                     </a:p>
                   </a:txBody>
-                  <a:tcPr marL="8566" marR="8566" marT="8566" marB="0">
+                  <a:tcPr marL="8566" marR="8566" marT="8566" marB="0" anchor="ctr">
                     <a:lnL w="12700" cap="flat" cmpd="sng" algn="ctr">
                       <a:solidFill>
                         <a:schemeClr val="tx1"/>
@@ -23619,7 +23602,7 @@
                       </a:endParaRPr>
                     </a:p>
                   </a:txBody>
-                  <a:tcPr marL="8566" marR="8566" marT="8566" marB="0" anchor="b">
+                  <a:tcPr marL="8566" marR="8566" marT="8566" marB="0" anchor="ctr">
                     <a:lnL w="12700" cap="flat" cmpd="sng" algn="ctr">
                       <a:solidFill>
                         <a:schemeClr val="tx1"/>
@@ -23683,7 +23666,7 @@
                       </a:endParaRPr>
                     </a:p>
                   </a:txBody>
-                  <a:tcPr marL="8566" marR="8566" marT="8566" marB="0" anchor="b">
+                  <a:tcPr marL="8566" marR="8566" marT="8566" marB="0" anchor="ctr">
                     <a:lnL w="12700" cap="flat" cmpd="sng" algn="ctr">
                       <a:solidFill>
                         <a:schemeClr val="tx1"/>
@@ -23747,7 +23730,7 @@
                       </a:endParaRPr>
                     </a:p>
                   </a:txBody>
-                  <a:tcPr marL="8566" marR="8566" marT="8566" marB="0" anchor="b">
+                  <a:tcPr marL="8566" marR="8566" marT="8566" marB="0" anchor="ctr">
                     <a:lnL w="12700" cap="flat" cmpd="sng" algn="ctr">
                       <a:solidFill>
                         <a:schemeClr val="tx1"/>
@@ -23811,7 +23794,7 @@
                       </a:endParaRPr>
                     </a:p>
                   </a:txBody>
-                  <a:tcPr marL="8566" marR="8566" marT="8566" marB="0">
+                  <a:tcPr marL="8566" marR="8566" marT="8566" marB="0" anchor="ctr">
                     <a:lnL w="12700" cap="flat" cmpd="sng" algn="ctr">
                       <a:solidFill>
                         <a:schemeClr val="tx1"/>
@@ -23875,7 +23858,7 @@
                       </a:endParaRPr>
                     </a:p>
                   </a:txBody>
-                  <a:tcPr marL="8566" marR="8566" marT="8566" marB="0" anchor="b">
+                  <a:tcPr marL="8566" marR="8566" marT="8566" marB="0" anchor="ctr">
                     <a:lnL w="12700" cap="flat" cmpd="sng" algn="ctr">
                       <a:solidFill>
                         <a:schemeClr val="tx1"/>
